--- a/week_08/Resource Presentation.pptx
+++ b/week_08/Resource Presentation.pptx
@@ -8,6 +8,7 @@
     <p:sldId id="256" r:id="rId2"/>
     <p:sldId id="257" r:id="rId3"/>
     <p:sldId id="261" r:id="rId4"/>
+    <p:sldId id="262" r:id="rId5"/>
   </p:sldIdLst>
   <p:sldSz cx="12192000" cy="6858000"/>
   <p:notesSz cx="6858000" cy="9144000"/>
@@ -6176,6 +6177,13 @@
   <p:clrMapOvr>
     <a:masterClrMapping/>
   </p:clrMapOvr>
+  <p:timing>
+    <p:tnLst>
+      <p:par>
+        <p:cTn id="1" dur="indefinite" restart="never" nodeType="tmRoot"/>
+      </p:par>
+    </p:tnLst>
+  </p:timing>
 </p:sld>
 </file>
 
@@ -6378,373 +6386,9 @@
   <p:timing>
     <p:tnLst>
       <p:par>
-        <p:cTn id="1" dur="indefinite" restart="never" nodeType="tmRoot">
-          <p:childTnLst>
-            <p:seq concurrent="1" nextAc="seek">
-              <p:cTn id="2" dur="indefinite" nodeType="mainSeq">
-                <p:childTnLst>
-                  <p:par>
-                    <p:cTn id="3" fill="hold">
-                      <p:stCondLst>
-                        <p:cond delay="indefinite"/>
-                      </p:stCondLst>
-                      <p:childTnLst>
-                        <p:par>
-                          <p:cTn id="4" fill="hold">
-                            <p:stCondLst>
-                              <p:cond delay="0"/>
-                            </p:stCondLst>
-                            <p:childTnLst>
-                              <p:par>
-                                <p:cTn id="5" presetID="1" presetClass="entr" presetSubtype="0" fill="hold" grpId="0" nodeType="clickEffect">
-                                  <p:stCondLst>
-                                    <p:cond delay="0"/>
-                                  </p:stCondLst>
-                                  <p:childTnLst>
-                                    <p:set>
-                                      <p:cBhvr>
-                                        <p:cTn id="6" dur="1" fill="hold">
-                                          <p:stCondLst>
-                                            <p:cond delay="0"/>
-                                          </p:stCondLst>
-                                        </p:cTn>
-                                        <p:tgtEl>
-                                          <p:spTgt spid="3">
-                                            <p:txEl>
-                                              <p:pRg st="0" end="0"/>
-                                            </p:txEl>
-                                          </p:spTgt>
-                                        </p:tgtEl>
-                                        <p:attrNameLst>
-                                          <p:attrName>style.visibility</p:attrName>
-                                        </p:attrNameLst>
-                                      </p:cBhvr>
-                                      <p:to>
-                                        <p:strVal val="visible"/>
-                                      </p:to>
-                                    </p:set>
-                                  </p:childTnLst>
-                                </p:cTn>
-                              </p:par>
-                            </p:childTnLst>
-                          </p:cTn>
-                        </p:par>
-                      </p:childTnLst>
-                    </p:cTn>
-                  </p:par>
-                  <p:par>
-                    <p:cTn id="7" fill="hold">
-                      <p:stCondLst>
-                        <p:cond delay="indefinite"/>
-                      </p:stCondLst>
-                      <p:childTnLst>
-                        <p:par>
-                          <p:cTn id="8" fill="hold">
-                            <p:stCondLst>
-                              <p:cond delay="0"/>
-                            </p:stCondLst>
-                            <p:childTnLst>
-                              <p:par>
-                                <p:cTn id="9" presetID="1" presetClass="entr" presetSubtype="0" fill="hold" grpId="0" nodeType="clickEffect">
-                                  <p:stCondLst>
-                                    <p:cond delay="0"/>
-                                  </p:stCondLst>
-                                  <p:childTnLst>
-                                    <p:set>
-                                      <p:cBhvr>
-                                        <p:cTn id="10" dur="1" fill="hold">
-                                          <p:stCondLst>
-                                            <p:cond delay="0"/>
-                                          </p:stCondLst>
-                                        </p:cTn>
-                                        <p:tgtEl>
-                                          <p:spTgt spid="3">
-                                            <p:txEl>
-                                              <p:pRg st="1" end="1"/>
-                                            </p:txEl>
-                                          </p:spTgt>
-                                        </p:tgtEl>
-                                        <p:attrNameLst>
-                                          <p:attrName>style.visibility</p:attrName>
-                                        </p:attrNameLst>
-                                      </p:cBhvr>
-                                      <p:to>
-                                        <p:strVal val="visible"/>
-                                      </p:to>
-                                    </p:set>
-                                  </p:childTnLst>
-                                </p:cTn>
-                              </p:par>
-                              <p:par>
-                                <p:cTn id="11" presetID="1" presetClass="entr" presetSubtype="0" fill="hold" grpId="0" nodeType="withEffect">
-                                  <p:stCondLst>
-                                    <p:cond delay="0"/>
-                                  </p:stCondLst>
-                                  <p:childTnLst>
-                                    <p:set>
-                                      <p:cBhvr>
-                                        <p:cTn id="12" dur="1" fill="hold">
-                                          <p:stCondLst>
-                                            <p:cond delay="0"/>
-                                          </p:stCondLst>
-                                        </p:cTn>
-                                        <p:tgtEl>
-                                          <p:spTgt spid="3">
-                                            <p:txEl>
-                                              <p:pRg st="2" end="2"/>
-                                            </p:txEl>
-                                          </p:spTgt>
-                                        </p:tgtEl>
-                                        <p:attrNameLst>
-                                          <p:attrName>style.visibility</p:attrName>
-                                        </p:attrNameLst>
-                                      </p:cBhvr>
-                                      <p:to>
-                                        <p:strVal val="visible"/>
-                                      </p:to>
-                                    </p:set>
-                                  </p:childTnLst>
-                                </p:cTn>
-                              </p:par>
-                            </p:childTnLst>
-                          </p:cTn>
-                        </p:par>
-                      </p:childTnLst>
-                    </p:cTn>
-                  </p:par>
-                  <p:par>
-                    <p:cTn id="13" fill="hold">
-                      <p:stCondLst>
-                        <p:cond delay="indefinite"/>
-                      </p:stCondLst>
-                      <p:childTnLst>
-                        <p:par>
-                          <p:cTn id="14" fill="hold">
-                            <p:stCondLst>
-                              <p:cond delay="0"/>
-                            </p:stCondLst>
-                            <p:childTnLst>
-                              <p:par>
-                                <p:cTn id="15" presetID="1" presetClass="entr" presetSubtype="0" fill="hold" grpId="0" nodeType="clickEffect">
-                                  <p:stCondLst>
-                                    <p:cond delay="0"/>
-                                  </p:stCondLst>
-                                  <p:childTnLst>
-                                    <p:set>
-                                      <p:cBhvr>
-                                        <p:cTn id="16" dur="1" fill="hold">
-                                          <p:stCondLst>
-                                            <p:cond delay="0"/>
-                                          </p:stCondLst>
-                                        </p:cTn>
-                                        <p:tgtEl>
-                                          <p:spTgt spid="3">
-                                            <p:txEl>
-                                              <p:pRg st="3" end="3"/>
-                                            </p:txEl>
-                                          </p:spTgt>
-                                        </p:tgtEl>
-                                        <p:attrNameLst>
-                                          <p:attrName>style.visibility</p:attrName>
-                                        </p:attrNameLst>
-                                      </p:cBhvr>
-                                      <p:to>
-                                        <p:strVal val="visible"/>
-                                      </p:to>
-                                    </p:set>
-                                  </p:childTnLst>
-                                </p:cTn>
-                              </p:par>
-                              <p:par>
-                                <p:cTn id="17" presetID="1" presetClass="entr" presetSubtype="0" fill="hold" grpId="0" nodeType="withEffect">
-                                  <p:stCondLst>
-                                    <p:cond delay="0"/>
-                                  </p:stCondLst>
-                                  <p:childTnLst>
-                                    <p:set>
-                                      <p:cBhvr>
-                                        <p:cTn id="18" dur="1" fill="hold">
-                                          <p:stCondLst>
-                                            <p:cond delay="0"/>
-                                          </p:stCondLst>
-                                        </p:cTn>
-                                        <p:tgtEl>
-                                          <p:spTgt spid="3">
-                                            <p:txEl>
-                                              <p:pRg st="4" end="4"/>
-                                            </p:txEl>
-                                          </p:spTgt>
-                                        </p:tgtEl>
-                                        <p:attrNameLst>
-                                          <p:attrName>style.visibility</p:attrName>
-                                        </p:attrNameLst>
-                                      </p:cBhvr>
-                                      <p:to>
-                                        <p:strVal val="visible"/>
-                                      </p:to>
-                                    </p:set>
-                                  </p:childTnLst>
-                                </p:cTn>
-                              </p:par>
-                            </p:childTnLst>
-                          </p:cTn>
-                        </p:par>
-                      </p:childTnLst>
-                    </p:cTn>
-                  </p:par>
-                  <p:par>
-                    <p:cTn id="19" fill="hold">
-                      <p:stCondLst>
-                        <p:cond delay="indefinite"/>
-                      </p:stCondLst>
-                      <p:childTnLst>
-                        <p:par>
-                          <p:cTn id="20" fill="hold">
-                            <p:stCondLst>
-                              <p:cond delay="0"/>
-                            </p:stCondLst>
-                            <p:childTnLst>
-                              <p:par>
-                                <p:cTn id="21" presetID="1" presetClass="entr" presetSubtype="0" fill="hold" grpId="0" nodeType="clickEffect">
-                                  <p:stCondLst>
-                                    <p:cond delay="0"/>
-                                  </p:stCondLst>
-                                  <p:childTnLst>
-                                    <p:set>
-                                      <p:cBhvr>
-                                        <p:cTn id="22" dur="1" fill="hold">
-                                          <p:stCondLst>
-                                            <p:cond delay="0"/>
-                                          </p:stCondLst>
-                                        </p:cTn>
-                                        <p:tgtEl>
-                                          <p:spTgt spid="3">
-                                            <p:txEl>
-                                              <p:pRg st="5" end="5"/>
-                                            </p:txEl>
-                                          </p:spTgt>
-                                        </p:tgtEl>
-                                        <p:attrNameLst>
-                                          <p:attrName>style.visibility</p:attrName>
-                                        </p:attrNameLst>
-                                      </p:cBhvr>
-                                      <p:to>
-                                        <p:strVal val="visible"/>
-                                      </p:to>
-                                    </p:set>
-                                  </p:childTnLst>
-                                </p:cTn>
-                              </p:par>
-                              <p:par>
-                                <p:cTn id="23" presetID="1" presetClass="entr" presetSubtype="0" fill="hold" grpId="0" nodeType="withEffect">
-                                  <p:stCondLst>
-                                    <p:cond delay="0"/>
-                                  </p:stCondLst>
-                                  <p:childTnLst>
-                                    <p:set>
-                                      <p:cBhvr>
-                                        <p:cTn id="24" dur="1" fill="hold">
-                                          <p:stCondLst>
-                                            <p:cond delay="0"/>
-                                          </p:stCondLst>
-                                        </p:cTn>
-                                        <p:tgtEl>
-                                          <p:spTgt spid="3">
-                                            <p:txEl>
-                                              <p:pRg st="6" end="6"/>
-                                            </p:txEl>
-                                          </p:spTgt>
-                                        </p:tgtEl>
-                                        <p:attrNameLst>
-                                          <p:attrName>style.visibility</p:attrName>
-                                        </p:attrNameLst>
-                                      </p:cBhvr>
-                                      <p:to>
-                                        <p:strVal val="visible"/>
-                                      </p:to>
-                                    </p:set>
-                                  </p:childTnLst>
-                                </p:cTn>
-                              </p:par>
-                            </p:childTnLst>
-                          </p:cTn>
-                        </p:par>
-                      </p:childTnLst>
-                    </p:cTn>
-                  </p:par>
-                  <p:par>
-                    <p:cTn id="25" fill="hold">
-                      <p:stCondLst>
-                        <p:cond delay="indefinite"/>
-                      </p:stCondLst>
-                      <p:childTnLst>
-                        <p:par>
-                          <p:cTn id="26" fill="hold">
-                            <p:stCondLst>
-                              <p:cond delay="0"/>
-                            </p:stCondLst>
-                            <p:childTnLst>
-                              <p:par>
-                                <p:cTn id="27" presetID="1" presetClass="entr" presetSubtype="0" fill="hold" grpId="0" nodeType="clickEffect">
-                                  <p:stCondLst>
-                                    <p:cond delay="0"/>
-                                  </p:stCondLst>
-                                  <p:childTnLst>
-                                    <p:set>
-                                      <p:cBhvr>
-                                        <p:cTn id="28" dur="1" fill="hold">
-                                          <p:stCondLst>
-                                            <p:cond delay="0"/>
-                                          </p:stCondLst>
-                                        </p:cTn>
-                                        <p:tgtEl>
-                                          <p:spTgt spid="3">
-                                            <p:txEl>
-                                              <p:pRg st="8" end="8"/>
-                                            </p:txEl>
-                                          </p:spTgt>
-                                        </p:tgtEl>
-                                        <p:attrNameLst>
-                                          <p:attrName>style.visibility</p:attrName>
-                                        </p:attrNameLst>
-                                      </p:cBhvr>
-                                      <p:to>
-                                        <p:strVal val="visible"/>
-                                      </p:to>
-                                    </p:set>
-                                  </p:childTnLst>
-                                </p:cTn>
-                              </p:par>
-                            </p:childTnLst>
-                          </p:cTn>
-                        </p:par>
-                      </p:childTnLst>
-                    </p:cTn>
-                  </p:par>
-                </p:childTnLst>
-              </p:cTn>
-              <p:prevCondLst>
-                <p:cond evt="onPrev" delay="0">
-                  <p:tgtEl>
-                    <p:sldTgt/>
-                  </p:tgtEl>
-                </p:cond>
-              </p:prevCondLst>
-              <p:nextCondLst>
-                <p:cond evt="onNext" delay="0">
-                  <p:tgtEl>
-                    <p:sldTgt/>
-                  </p:tgtEl>
-                </p:cond>
-              </p:nextCondLst>
-            </p:seq>
-          </p:childTnLst>
-        </p:cTn>
+        <p:cTn id="1" dur="indefinite" restart="never" nodeType="tmRoot"/>
       </p:par>
     </p:tnLst>
-    <p:bldLst>
-      <p:bldP spid="3" grpId="0" build="p"/>
-    </p:bldLst>
   </p:timing>
 </p:sld>
 </file>
@@ -6826,14 +6470,34 @@
           </a:bodyPr>
           <a:lstStyle/>
           <a:p>
+            <a:endParaRPr lang="en-US" sz="2200" dirty="0" smtClean="0">
+              <a:latin typeface="Microsoft Sans Serif" panose="020B0604020202020204" pitchFamily="34" charset="0"/>
+              <a:ea typeface="Microsoft Sans Serif" panose="020B0604020202020204" pitchFamily="34" charset="0"/>
+              <a:cs typeface="Microsoft Sans Serif" panose="020B0604020202020204" pitchFamily="34" charset="0"/>
+            </a:endParaRPr>
+          </a:p>
+          <a:p>
             <a:r>
               <a:rPr lang="en-US" sz="2200" dirty="0" smtClean="0">
                 <a:latin typeface="Microsoft Sans Serif" panose="020B0604020202020204" pitchFamily="34" charset="0"/>
                 <a:ea typeface="Microsoft Sans Serif" panose="020B0604020202020204" pitchFamily="34" charset="0"/>
                 <a:cs typeface="Microsoft Sans Serif" panose="020B0604020202020204" pitchFamily="34" charset="0"/>
               </a:rPr>
-              <a:t>Libraries available for R, Python, MATLAB, and others</a:t>
-            </a:r>
+              <a:t>Graphics and Data </a:t>
+            </a:r>
+            <a:r>
+              <a:rPr lang="en-US" sz="2200" dirty="0" err="1" smtClean="0">
+                <a:latin typeface="Microsoft Sans Serif" panose="020B0604020202020204" pitchFamily="34" charset="0"/>
+                <a:ea typeface="Microsoft Sans Serif" panose="020B0604020202020204" pitchFamily="34" charset="0"/>
+                <a:cs typeface="Microsoft Sans Serif" panose="020B0604020202020204" pitchFamily="34" charset="0"/>
+              </a:rPr>
+              <a:t>Viz</a:t>
+            </a:r>
+            <a:endParaRPr lang="en-US" sz="2200" dirty="0" smtClean="0">
+              <a:latin typeface="Microsoft Sans Serif" panose="020B0604020202020204" pitchFamily="34" charset="0"/>
+              <a:ea typeface="Microsoft Sans Serif" panose="020B0604020202020204" pitchFamily="34" charset="0"/>
+              <a:cs typeface="Microsoft Sans Serif" panose="020B0604020202020204" pitchFamily="34" charset="0"/>
+            </a:endParaRPr>
           </a:p>
           <a:p>
             <a:endParaRPr lang="en-US" sz="2200" dirty="0">
@@ -6844,36 +6508,29 @@
           </a:p>
           <a:p>
             <a:r>
-              <a:rPr lang="en-US" sz="2200" dirty="0" err="1" smtClean="0">
-                <a:latin typeface="Microsoft Sans Serif" panose="020B0604020202020204" pitchFamily="34" charset="0"/>
-                <a:ea typeface="Microsoft Sans Serif" panose="020B0604020202020204" pitchFamily="34" charset="0"/>
-                <a:cs typeface="Microsoft Sans Serif" panose="020B0604020202020204" pitchFamily="34" charset="0"/>
-              </a:rPr>
-              <a:t>install.packages</a:t>
-            </a:r>
-            <a:r>
               <a:rPr lang="en-US" sz="2200" dirty="0" smtClean="0">
                 <a:latin typeface="Microsoft Sans Serif" panose="020B0604020202020204" pitchFamily="34" charset="0"/>
                 <a:ea typeface="Microsoft Sans Serif" panose="020B0604020202020204" pitchFamily="34" charset="0"/>
                 <a:cs typeface="Microsoft Sans Serif" panose="020B0604020202020204" pitchFamily="34" charset="0"/>
               </a:rPr>
-              <a:t>(“</a:t>
-            </a:r>
-            <a:r>
-              <a:rPr lang="en-US" sz="2200" dirty="0" err="1" smtClean="0">
-                <a:latin typeface="Microsoft Sans Serif" panose="020B0604020202020204" pitchFamily="34" charset="0"/>
-                <a:ea typeface="Microsoft Sans Serif" panose="020B0604020202020204" pitchFamily="34" charset="0"/>
-                <a:cs typeface="Microsoft Sans Serif" panose="020B0604020202020204" pitchFamily="34" charset="0"/>
-              </a:rPr>
-              <a:t>plotly</a:t>
-            </a:r>
+              <a:t>Interactivity</a:t>
+            </a:r>
+          </a:p>
+          <a:p>
+            <a:endParaRPr lang="en-US" sz="2200" dirty="0">
+              <a:latin typeface="Microsoft Sans Serif" panose="020B0604020202020204" pitchFamily="34" charset="0"/>
+              <a:ea typeface="Microsoft Sans Serif" panose="020B0604020202020204" pitchFamily="34" charset="0"/>
+              <a:cs typeface="Microsoft Sans Serif" panose="020B0604020202020204" pitchFamily="34" charset="0"/>
+            </a:endParaRPr>
+          </a:p>
+          <a:p>
             <a:r>
               <a:rPr lang="en-US" sz="2200" dirty="0" smtClean="0">
                 <a:latin typeface="Microsoft Sans Serif" panose="020B0604020202020204" pitchFamily="34" charset="0"/>
                 <a:ea typeface="Microsoft Sans Serif" panose="020B0604020202020204" pitchFamily="34" charset="0"/>
                 <a:cs typeface="Microsoft Sans Serif" panose="020B0604020202020204" pitchFamily="34" charset="0"/>
               </a:rPr>
-              <a:t>”) or access via GitHub </a:t>
+              <a:t>Built in interactivity/customizability with less code</a:t>
             </a:r>
           </a:p>
           <a:p>
@@ -6890,81 +6547,7 @@
                 <a:ea typeface="Microsoft Sans Serif" panose="020B0604020202020204" pitchFamily="34" charset="0"/>
                 <a:cs typeface="Microsoft Sans Serif" panose="020B0604020202020204" pitchFamily="34" charset="0"/>
               </a:rPr>
-              <a:t>Based off of underlying ggplot2 and grammar of graphics</a:t>
-            </a:r>
-          </a:p>
-          <a:p>
-            <a:endParaRPr lang="en-US" sz="2200" dirty="0">
-              <a:latin typeface="Microsoft Sans Serif" panose="020B0604020202020204" pitchFamily="34" charset="0"/>
-              <a:ea typeface="Microsoft Sans Serif" panose="020B0604020202020204" pitchFamily="34" charset="0"/>
-              <a:cs typeface="Microsoft Sans Serif" panose="020B0604020202020204" pitchFamily="34" charset="0"/>
-            </a:endParaRPr>
-          </a:p>
-          <a:p>
-            <a:r>
-              <a:rPr lang="en-US" sz="2200" dirty="0" err="1" smtClean="0">
-                <a:latin typeface="Microsoft Sans Serif" panose="020B0604020202020204" pitchFamily="34" charset="0"/>
-                <a:ea typeface="Microsoft Sans Serif" panose="020B0604020202020204" pitchFamily="34" charset="0"/>
-                <a:cs typeface="Microsoft Sans Serif" panose="020B0604020202020204" pitchFamily="34" charset="0"/>
-              </a:rPr>
-              <a:t>plot_ly</a:t>
-            </a:r>
-            <a:r>
-              <a:rPr lang="en-US" sz="2200" dirty="0" smtClean="0">
-                <a:latin typeface="Microsoft Sans Serif" panose="020B0604020202020204" pitchFamily="34" charset="0"/>
-                <a:ea typeface="Microsoft Sans Serif" panose="020B0604020202020204" pitchFamily="34" charset="0"/>
-                <a:cs typeface="Microsoft Sans Serif" panose="020B0604020202020204" pitchFamily="34" charset="0"/>
-              </a:rPr>
-              <a:t>() primary function </a:t>
-            </a:r>
-          </a:p>
-          <a:p>
-            <a:endParaRPr lang="en-US" sz="2200" dirty="0">
-              <a:latin typeface="Microsoft Sans Serif" panose="020B0604020202020204" pitchFamily="34" charset="0"/>
-              <a:ea typeface="Microsoft Sans Serif" panose="020B0604020202020204" pitchFamily="34" charset="0"/>
-              <a:cs typeface="Microsoft Sans Serif" panose="020B0604020202020204" pitchFamily="34" charset="0"/>
-            </a:endParaRPr>
-          </a:p>
-          <a:p>
-            <a:r>
-              <a:rPr lang="en-US" sz="2200" dirty="0" smtClean="0">
-                <a:latin typeface="Microsoft Sans Serif" panose="020B0604020202020204" pitchFamily="34" charset="0"/>
-                <a:ea typeface="Microsoft Sans Serif" panose="020B0604020202020204" pitchFamily="34" charset="0"/>
-                <a:cs typeface="Microsoft Sans Serif" panose="020B0604020202020204" pitchFamily="34" charset="0"/>
-              </a:rPr>
-              <a:t>Can also modify/add interactivity to </a:t>
-            </a:r>
-            <a:r>
-              <a:rPr lang="en-US" sz="2200" dirty="0" err="1" smtClean="0">
-                <a:latin typeface="Microsoft Sans Serif" panose="020B0604020202020204" pitchFamily="34" charset="0"/>
-                <a:ea typeface="Microsoft Sans Serif" panose="020B0604020202020204" pitchFamily="34" charset="0"/>
-                <a:cs typeface="Microsoft Sans Serif" panose="020B0604020202020204" pitchFamily="34" charset="0"/>
-              </a:rPr>
-              <a:t>ggplot</a:t>
-            </a:r>
-            <a:r>
-              <a:rPr lang="en-US" sz="2200" dirty="0" smtClean="0">
-                <a:latin typeface="Microsoft Sans Serif" panose="020B0604020202020204" pitchFamily="34" charset="0"/>
-                <a:ea typeface="Microsoft Sans Serif" panose="020B0604020202020204" pitchFamily="34" charset="0"/>
-                <a:cs typeface="Microsoft Sans Serif" panose="020B0604020202020204" pitchFamily="34" charset="0"/>
-              </a:rPr>
-              <a:t> code with </a:t>
-            </a:r>
-            <a:r>
-              <a:rPr lang="en-US" sz="2200" dirty="0" err="1" smtClean="0">
-                <a:latin typeface="Microsoft Sans Serif" panose="020B0604020202020204" pitchFamily="34" charset="0"/>
-                <a:ea typeface="Microsoft Sans Serif" panose="020B0604020202020204" pitchFamily="34" charset="0"/>
-                <a:cs typeface="Microsoft Sans Serif" panose="020B0604020202020204" pitchFamily="34" charset="0"/>
-              </a:rPr>
-              <a:t>ggplotly</a:t>
-            </a:r>
-            <a:r>
-              <a:rPr lang="en-US" sz="2200" smtClean="0">
-                <a:latin typeface="Microsoft Sans Serif" panose="020B0604020202020204" pitchFamily="34" charset="0"/>
-                <a:ea typeface="Microsoft Sans Serif" panose="020B0604020202020204" pitchFamily="34" charset="0"/>
-                <a:cs typeface="Microsoft Sans Serif" panose="020B0604020202020204" pitchFamily="34" charset="0"/>
-              </a:rPr>
-              <a:t>() </a:t>
+              <a:t>Huge, easily accessibly library</a:t>
             </a:r>
             <a:endParaRPr lang="en-US" sz="2200" dirty="0" smtClean="0">
               <a:latin typeface="Microsoft Sans Serif" panose="020B0604020202020204" pitchFamily="34" charset="0"/>
@@ -6987,280 +6570,254 @@
   <p:timing>
     <p:tnLst>
       <p:par>
-        <p:cTn id="1" dur="indefinite" restart="never" nodeType="tmRoot">
-          <p:childTnLst>
-            <p:seq concurrent="1" nextAc="seek">
-              <p:cTn id="2" dur="indefinite" nodeType="mainSeq">
-                <p:childTnLst>
-                  <p:par>
-                    <p:cTn id="3" fill="hold">
-                      <p:stCondLst>
-                        <p:cond delay="indefinite"/>
-                      </p:stCondLst>
-                      <p:childTnLst>
-                        <p:par>
-                          <p:cTn id="4" fill="hold">
-                            <p:stCondLst>
-                              <p:cond delay="0"/>
-                            </p:stCondLst>
-                            <p:childTnLst>
-                              <p:par>
-                                <p:cTn id="5" presetID="1" presetClass="entr" presetSubtype="0" fill="hold" grpId="0" nodeType="clickEffect">
-                                  <p:stCondLst>
-                                    <p:cond delay="0"/>
-                                  </p:stCondLst>
-                                  <p:childTnLst>
-                                    <p:set>
-                                      <p:cBhvr>
-                                        <p:cTn id="6" dur="1" fill="hold">
-                                          <p:stCondLst>
-                                            <p:cond delay="0"/>
-                                          </p:stCondLst>
-                                        </p:cTn>
-                                        <p:tgtEl>
-                                          <p:spTgt spid="3">
-                                            <p:txEl>
-                                              <p:pRg st="0" end="0"/>
-                                            </p:txEl>
-                                          </p:spTgt>
-                                        </p:tgtEl>
-                                        <p:attrNameLst>
-                                          <p:attrName>style.visibility</p:attrName>
-                                        </p:attrNameLst>
-                                      </p:cBhvr>
-                                      <p:to>
-                                        <p:strVal val="visible"/>
-                                      </p:to>
-                                    </p:set>
-                                  </p:childTnLst>
-                                </p:cTn>
-                              </p:par>
-                            </p:childTnLst>
-                          </p:cTn>
-                        </p:par>
-                      </p:childTnLst>
-                    </p:cTn>
-                  </p:par>
-                  <p:par>
-                    <p:cTn id="7" fill="hold">
-                      <p:stCondLst>
-                        <p:cond delay="indefinite"/>
-                      </p:stCondLst>
-                      <p:childTnLst>
-                        <p:par>
-                          <p:cTn id="8" fill="hold">
-                            <p:stCondLst>
-                              <p:cond delay="0"/>
-                            </p:stCondLst>
-                            <p:childTnLst>
-                              <p:par>
-                                <p:cTn id="9" presetID="1" presetClass="entr" presetSubtype="0" fill="hold" grpId="0" nodeType="clickEffect">
-                                  <p:stCondLst>
-                                    <p:cond delay="0"/>
-                                  </p:stCondLst>
-                                  <p:childTnLst>
-                                    <p:set>
-                                      <p:cBhvr>
-                                        <p:cTn id="10" dur="1" fill="hold">
-                                          <p:stCondLst>
-                                            <p:cond delay="0"/>
-                                          </p:stCondLst>
-                                        </p:cTn>
-                                        <p:tgtEl>
-                                          <p:spTgt spid="3">
-                                            <p:txEl>
-                                              <p:pRg st="2" end="2"/>
-                                            </p:txEl>
-                                          </p:spTgt>
-                                        </p:tgtEl>
-                                        <p:attrNameLst>
-                                          <p:attrName>style.visibility</p:attrName>
-                                        </p:attrNameLst>
-                                      </p:cBhvr>
-                                      <p:to>
-                                        <p:strVal val="visible"/>
-                                      </p:to>
-                                    </p:set>
-                                  </p:childTnLst>
-                                </p:cTn>
-                              </p:par>
-                            </p:childTnLst>
-                          </p:cTn>
-                        </p:par>
-                      </p:childTnLst>
-                    </p:cTn>
-                  </p:par>
-                  <p:par>
-                    <p:cTn id="11" fill="hold">
-                      <p:stCondLst>
-                        <p:cond delay="indefinite"/>
-                      </p:stCondLst>
-                      <p:childTnLst>
-                        <p:par>
-                          <p:cTn id="12" fill="hold">
-                            <p:stCondLst>
-                              <p:cond delay="0"/>
-                            </p:stCondLst>
-                            <p:childTnLst>
-                              <p:par>
-                                <p:cTn id="13" presetID="1" presetClass="entr" presetSubtype="0" fill="hold" grpId="0" nodeType="clickEffect">
-                                  <p:stCondLst>
-                                    <p:cond delay="0"/>
-                                  </p:stCondLst>
-                                  <p:childTnLst>
-                                    <p:set>
-                                      <p:cBhvr>
-                                        <p:cTn id="14" dur="1" fill="hold">
-                                          <p:stCondLst>
-                                            <p:cond delay="0"/>
-                                          </p:stCondLst>
-                                        </p:cTn>
-                                        <p:tgtEl>
-                                          <p:spTgt spid="3">
-                                            <p:txEl>
-                                              <p:pRg st="4" end="4"/>
-                                            </p:txEl>
-                                          </p:spTgt>
-                                        </p:tgtEl>
-                                        <p:attrNameLst>
-                                          <p:attrName>style.visibility</p:attrName>
-                                        </p:attrNameLst>
-                                      </p:cBhvr>
-                                      <p:to>
-                                        <p:strVal val="visible"/>
-                                      </p:to>
-                                    </p:set>
-                                  </p:childTnLst>
-                                </p:cTn>
-                              </p:par>
-                            </p:childTnLst>
-                          </p:cTn>
-                        </p:par>
-                      </p:childTnLst>
-                    </p:cTn>
-                  </p:par>
-                  <p:par>
-                    <p:cTn id="15" fill="hold">
-                      <p:stCondLst>
-                        <p:cond delay="indefinite"/>
-                      </p:stCondLst>
-                      <p:childTnLst>
-                        <p:par>
-                          <p:cTn id="16" fill="hold">
-                            <p:stCondLst>
-                              <p:cond delay="0"/>
-                            </p:stCondLst>
-                            <p:childTnLst>
-                              <p:par>
-                                <p:cTn id="17" presetID="1" presetClass="entr" presetSubtype="0" fill="hold" grpId="0" nodeType="clickEffect">
-                                  <p:stCondLst>
-                                    <p:cond delay="0"/>
-                                  </p:stCondLst>
-                                  <p:childTnLst>
-                                    <p:set>
-                                      <p:cBhvr>
-                                        <p:cTn id="18" dur="1" fill="hold">
-                                          <p:stCondLst>
-                                            <p:cond delay="0"/>
-                                          </p:stCondLst>
-                                        </p:cTn>
-                                        <p:tgtEl>
-                                          <p:spTgt spid="3">
-                                            <p:txEl>
-                                              <p:pRg st="6" end="6"/>
-                                            </p:txEl>
-                                          </p:spTgt>
-                                        </p:tgtEl>
-                                        <p:attrNameLst>
-                                          <p:attrName>style.visibility</p:attrName>
-                                        </p:attrNameLst>
-                                      </p:cBhvr>
-                                      <p:to>
-                                        <p:strVal val="visible"/>
-                                      </p:to>
-                                    </p:set>
-                                  </p:childTnLst>
-                                </p:cTn>
-                              </p:par>
-                            </p:childTnLst>
-                          </p:cTn>
-                        </p:par>
-                      </p:childTnLst>
-                    </p:cTn>
-                  </p:par>
-                  <p:par>
-                    <p:cTn id="19" fill="hold">
-                      <p:stCondLst>
-                        <p:cond delay="indefinite"/>
-                      </p:stCondLst>
-                      <p:childTnLst>
-                        <p:par>
-                          <p:cTn id="20" fill="hold">
-                            <p:stCondLst>
-                              <p:cond delay="0"/>
-                            </p:stCondLst>
-                            <p:childTnLst>
-                              <p:par>
-                                <p:cTn id="21" presetID="1" presetClass="entr" presetSubtype="0" fill="hold" grpId="0" nodeType="clickEffect">
-                                  <p:stCondLst>
-                                    <p:cond delay="0"/>
-                                  </p:stCondLst>
-                                  <p:childTnLst>
-                                    <p:set>
-                                      <p:cBhvr>
-                                        <p:cTn id="22" dur="1" fill="hold">
-                                          <p:stCondLst>
-                                            <p:cond delay="0"/>
-                                          </p:stCondLst>
-                                        </p:cTn>
-                                        <p:tgtEl>
-                                          <p:spTgt spid="3">
-                                            <p:txEl>
-                                              <p:pRg st="8" end="8"/>
-                                            </p:txEl>
-                                          </p:spTgt>
-                                        </p:tgtEl>
-                                        <p:attrNameLst>
-                                          <p:attrName>style.visibility</p:attrName>
-                                        </p:attrNameLst>
-                                      </p:cBhvr>
-                                      <p:to>
-                                        <p:strVal val="visible"/>
-                                      </p:to>
-                                    </p:set>
-                                  </p:childTnLst>
-                                </p:cTn>
-                              </p:par>
-                            </p:childTnLst>
-                          </p:cTn>
-                        </p:par>
-                      </p:childTnLst>
-                    </p:cTn>
-                  </p:par>
-                </p:childTnLst>
-              </p:cTn>
-              <p:prevCondLst>
-                <p:cond evt="onPrev" delay="0">
-                  <p:tgtEl>
-                    <p:sldTgt/>
-                  </p:tgtEl>
-                </p:cond>
-              </p:prevCondLst>
-              <p:nextCondLst>
-                <p:cond evt="onNext" delay="0">
-                  <p:tgtEl>
-                    <p:sldTgt/>
-                  </p:tgtEl>
-                </p:cond>
-              </p:nextCondLst>
-            </p:seq>
-          </p:childTnLst>
-        </p:cTn>
+        <p:cTn id="1" dur="indefinite" restart="never" nodeType="tmRoot"/>
       </p:par>
     </p:tnLst>
-    <p:bldLst>
-      <p:bldP spid="3" grpId="0" build="p"/>
-    </p:bldLst>
+  </p:timing>
+</p:sld>
+</file>
+
+<file path=ppt/slides/slide4.xml><?xml version="1.0" encoding="utf-8"?>
+<p:sld xmlns:a="http://schemas.openxmlformats.org/drawingml/2006/main" xmlns:r="http://schemas.openxmlformats.org/officeDocument/2006/relationships" xmlns:p="http://schemas.openxmlformats.org/presentationml/2006/main">
+  <p:cSld>
+    <p:spTree>
+      <p:nvGrpSpPr>
+        <p:cNvPr id="1" name=""/>
+        <p:cNvGrpSpPr/>
+        <p:nvPr/>
+      </p:nvGrpSpPr>
+      <p:grpSpPr>
+        <a:xfrm>
+          <a:off x="0" y="0"/>
+          <a:ext cx="0" cy="0"/>
+          <a:chOff x="0" y="0"/>
+          <a:chExt cx="0" cy="0"/>
+        </a:xfrm>
+      </p:grpSpPr>
+      <p:sp>
+        <p:nvSpPr>
+          <p:cNvPr id="2" name="Title 1"/>
+          <p:cNvSpPr>
+            <a:spLocks noGrp="1"/>
+          </p:cNvSpPr>
+          <p:nvPr>
+            <p:ph type="title"/>
+          </p:nvPr>
+        </p:nvSpPr>
+        <p:spPr>
+          <a:xfrm>
+            <a:off x="1484311" y="685800"/>
+            <a:ext cx="10018713" cy="947057"/>
+          </a:xfrm>
+        </p:spPr>
+        <p:txBody>
+          <a:bodyPr anchor="t">
+            <a:normAutofit/>
+          </a:bodyPr>
+          <a:lstStyle/>
+          <a:p>
+            <a:r>
+              <a:rPr lang="en-US" dirty="0" err="1" smtClean="0">
+                <a:latin typeface="Microsoft Sans Serif" panose="020B0604020202020204" pitchFamily="34" charset="0"/>
+                <a:ea typeface="Microsoft Sans Serif" panose="020B0604020202020204" pitchFamily="34" charset="0"/>
+                <a:cs typeface="Microsoft Sans Serif" panose="020B0604020202020204" pitchFamily="34" charset="0"/>
+              </a:rPr>
+              <a:t>Plotly</a:t>
+            </a:r>
+            <a:endParaRPr lang="en-US" dirty="0">
+              <a:latin typeface="Microsoft Sans Serif" panose="020B0604020202020204" pitchFamily="34" charset="0"/>
+              <a:ea typeface="Microsoft Sans Serif" panose="020B0604020202020204" pitchFamily="34" charset="0"/>
+              <a:cs typeface="Microsoft Sans Serif" panose="020B0604020202020204" pitchFamily="34" charset="0"/>
+            </a:endParaRPr>
+          </a:p>
+        </p:txBody>
+      </p:sp>
+      <p:sp>
+        <p:nvSpPr>
+          <p:cNvPr id="3" name="Content Placeholder 2"/>
+          <p:cNvSpPr>
+            <a:spLocks noGrp="1"/>
+          </p:cNvSpPr>
+          <p:nvPr>
+            <p:ph idx="1"/>
+          </p:nvPr>
+        </p:nvSpPr>
+        <p:spPr>
+          <a:xfrm>
+            <a:off x="1484310" y="1632857"/>
+            <a:ext cx="10018713" cy="4323806"/>
+          </a:xfrm>
+        </p:spPr>
+        <p:txBody>
+          <a:bodyPr anchor="t">
+            <a:normAutofit/>
+          </a:bodyPr>
+          <a:lstStyle/>
+          <a:p>
+            <a:r>
+              <a:rPr lang="en-US" sz="2200" dirty="0" smtClean="0">
+                <a:latin typeface="Microsoft Sans Serif" panose="020B0604020202020204" pitchFamily="34" charset="0"/>
+                <a:ea typeface="Microsoft Sans Serif" panose="020B0604020202020204" pitchFamily="34" charset="0"/>
+                <a:cs typeface="Microsoft Sans Serif" panose="020B0604020202020204" pitchFamily="34" charset="0"/>
+              </a:rPr>
+              <a:t>Libraries available for R, Python, MATLAB, and others</a:t>
+            </a:r>
+          </a:p>
+          <a:p>
+            <a:endParaRPr lang="en-US" sz="2200" dirty="0">
+              <a:latin typeface="Microsoft Sans Serif" panose="020B0604020202020204" pitchFamily="34" charset="0"/>
+              <a:ea typeface="Microsoft Sans Serif" panose="020B0604020202020204" pitchFamily="34" charset="0"/>
+              <a:cs typeface="Microsoft Sans Serif" panose="020B0604020202020204" pitchFamily="34" charset="0"/>
+            </a:endParaRPr>
+          </a:p>
+          <a:p>
+            <a:r>
+              <a:rPr lang="en-US" sz="2200" dirty="0" err="1" smtClean="0">
+                <a:latin typeface="Microsoft Sans Serif" panose="020B0604020202020204" pitchFamily="34" charset="0"/>
+                <a:ea typeface="Microsoft Sans Serif" panose="020B0604020202020204" pitchFamily="34" charset="0"/>
+                <a:cs typeface="Microsoft Sans Serif" panose="020B0604020202020204" pitchFamily="34" charset="0"/>
+              </a:rPr>
+              <a:t>install.packages</a:t>
+            </a:r>
+            <a:r>
+              <a:rPr lang="en-US" sz="2200" dirty="0" smtClean="0">
+                <a:latin typeface="Microsoft Sans Serif" panose="020B0604020202020204" pitchFamily="34" charset="0"/>
+                <a:ea typeface="Microsoft Sans Serif" panose="020B0604020202020204" pitchFamily="34" charset="0"/>
+                <a:cs typeface="Microsoft Sans Serif" panose="020B0604020202020204" pitchFamily="34" charset="0"/>
+              </a:rPr>
+              <a:t>(“</a:t>
+            </a:r>
+            <a:r>
+              <a:rPr lang="en-US" sz="2200" dirty="0" err="1" smtClean="0">
+                <a:latin typeface="Microsoft Sans Serif" panose="020B0604020202020204" pitchFamily="34" charset="0"/>
+                <a:ea typeface="Microsoft Sans Serif" panose="020B0604020202020204" pitchFamily="34" charset="0"/>
+                <a:cs typeface="Microsoft Sans Serif" panose="020B0604020202020204" pitchFamily="34" charset="0"/>
+              </a:rPr>
+              <a:t>plotly</a:t>
+            </a:r>
+            <a:r>
+              <a:rPr lang="en-US" sz="2200" dirty="0" smtClean="0">
+                <a:latin typeface="Microsoft Sans Serif" panose="020B0604020202020204" pitchFamily="34" charset="0"/>
+                <a:ea typeface="Microsoft Sans Serif" panose="020B0604020202020204" pitchFamily="34" charset="0"/>
+                <a:cs typeface="Microsoft Sans Serif" panose="020B0604020202020204" pitchFamily="34" charset="0"/>
+              </a:rPr>
+              <a:t>”) or access via GitHub </a:t>
+            </a:r>
+          </a:p>
+          <a:p>
+            <a:endParaRPr lang="en-US" sz="2200" dirty="0">
+              <a:latin typeface="Microsoft Sans Serif" panose="020B0604020202020204" pitchFamily="34" charset="0"/>
+              <a:ea typeface="Microsoft Sans Serif" panose="020B0604020202020204" pitchFamily="34" charset="0"/>
+              <a:cs typeface="Microsoft Sans Serif" panose="020B0604020202020204" pitchFamily="34" charset="0"/>
+            </a:endParaRPr>
+          </a:p>
+          <a:p>
+            <a:r>
+              <a:rPr lang="en-US" sz="2200" dirty="0" smtClean="0">
+                <a:latin typeface="Microsoft Sans Serif" panose="020B0604020202020204" pitchFamily="34" charset="0"/>
+                <a:ea typeface="Microsoft Sans Serif" panose="020B0604020202020204" pitchFamily="34" charset="0"/>
+                <a:cs typeface="Microsoft Sans Serif" panose="020B0604020202020204" pitchFamily="34" charset="0"/>
+              </a:rPr>
+              <a:t>Based off of underlying ggplot2 and grammar of graphics</a:t>
+            </a:r>
+          </a:p>
+          <a:p>
+            <a:endParaRPr lang="en-US" sz="2200" dirty="0">
+              <a:latin typeface="Microsoft Sans Serif" panose="020B0604020202020204" pitchFamily="34" charset="0"/>
+              <a:ea typeface="Microsoft Sans Serif" panose="020B0604020202020204" pitchFamily="34" charset="0"/>
+              <a:cs typeface="Microsoft Sans Serif" panose="020B0604020202020204" pitchFamily="34" charset="0"/>
+            </a:endParaRPr>
+          </a:p>
+          <a:p>
+            <a:r>
+              <a:rPr lang="en-US" sz="2200" dirty="0" err="1" smtClean="0">
+                <a:latin typeface="Microsoft Sans Serif" panose="020B0604020202020204" pitchFamily="34" charset="0"/>
+                <a:ea typeface="Microsoft Sans Serif" panose="020B0604020202020204" pitchFamily="34" charset="0"/>
+                <a:cs typeface="Microsoft Sans Serif" panose="020B0604020202020204" pitchFamily="34" charset="0"/>
+              </a:rPr>
+              <a:t>plot_ly</a:t>
+            </a:r>
+            <a:r>
+              <a:rPr lang="en-US" sz="2200" dirty="0" smtClean="0">
+                <a:latin typeface="Microsoft Sans Serif" panose="020B0604020202020204" pitchFamily="34" charset="0"/>
+                <a:ea typeface="Microsoft Sans Serif" panose="020B0604020202020204" pitchFamily="34" charset="0"/>
+                <a:cs typeface="Microsoft Sans Serif" panose="020B0604020202020204" pitchFamily="34" charset="0"/>
+              </a:rPr>
+              <a:t>() primary function </a:t>
+            </a:r>
+          </a:p>
+          <a:p>
+            <a:endParaRPr lang="en-US" sz="2200" dirty="0">
+              <a:latin typeface="Microsoft Sans Serif" panose="020B0604020202020204" pitchFamily="34" charset="0"/>
+              <a:ea typeface="Microsoft Sans Serif" panose="020B0604020202020204" pitchFamily="34" charset="0"/>
+              <a:cs typeface="Microsoft Sans Serif" panose="020B0604020202020204" pitchFamily="34" charset="0"/>
+            </a:endParaRPr>
+          </a:p>
+          <a:p>
+            <a:r>
+              <a:rPr lang="en-US" sz="2200" dirty="0" smtClean="0">
+                <a:latin typeface="Microsoft Sans Serif" panose="020B0604020202020204" pitchFamily="34" charset="0"/>
+                <a:ea typeface="Microsoft Sans Serif" panose="020B0604020202020204" pitchFamily="34" charset="0"/>
+                <a:cs typeface="Microsoft Sans Serif" panose="020B0604020202020204" pitchFamily="34" charset="0"/>
+              </a:rPr>
+              <a:t>Can also modify/add interactivity to </a:t>
+            </a:r>
+            <a:r>
+              <a:rPr lang="en-US" sz="2200" dirty="0" err="1" smtClean="0">
+                <a:latin typeface="Microsoft Sans Serif" panose="020B0604020202020204" pitchFamily="34" charset="0"/>
+                <a:ea typeface="Microsoft Sans Serif" panose="020B0604020202020204" pitchFamily="34" charset="0"/>
+                <a:cs typeface="Microsoft Sans Serif" panose="020B0604020202020204" pitchFamily="34" charset="0"/>
+              </a:rPr>
+              <a:t>ggplot</a:t>
+            </a:r>
+            <a:r>
+              <a:rPr lang="en-US" sz="2200" dirty="0" smtClean="0">
+                <a:latin typeface="Microsoft Sans Serif" panose="020B0604020202020204" pitchFamily="34" charset="0"/>
+                <a:ea typeface="Microsoft Sans Serif" panose="020B0604020202020204" pitchFamily="34" charset="0"/>
+                <a:cs typeface="Microsoft Sans Serif" panose="020B0604020202020204" pitchFamily="34" charset="0"/>
+              </a:rPr>
+              <a:t> code with </a:t>
+            </a:r>
+            <a:r>
+              <a:rPr lang="en-US" sz="2200" dirty="0" err="1" smtClean="0">
+                <a:latin typeface="Microsoft Sans Serif" panose="020B0604020202020204" pitchFamily="34" charset="0"/>
+                <a:ea typeface="Microsoft Sans Serif" panose="020B0604020202020204" pitchFamily="34" charset="0"/>
+                <a:cs typeface="Microsoft Sans Serif" panose="020B0604020202020204" pitchFamily="34" charset="0"/>
+              </a:rPr>
+              <a:t>ggplotly</a:t>
+            </a:r>
+            <a:r>
+              <a:rPr lang="en-US" sz="2200" smtClean="0">
+                <a:latin typeface="Microsoft Sans Serif" panose="020B0604020202020204" pitchFamily="34" charset="0"/>
+                <a:ea typeface="Microsoft Sans Serif" panose="020B0604020202020204" pitchFamily="34" charset="0"/>
+                <a:cs typeface="Microsoft Sans Serif" panose="020B0604020202020204" pitchFamily="34" charset="0"/>
+              </a:rPr>
+              <a:t>() </a:t>
+            </a:r>
+            <a:endParaRPr lang="en-US" sz="2200" dirty="0" smtClean="0">
+              <a:latin typeface="Microsoft Sans Serif" panose="020B0604020202020204" pitchFamily="34" charset="0"/>
+              <a:ea typeface="Microsoft Sans Serif" panose="020B0604020202020204" pitchFamily="34" charset="0"/>
+              <a:cs typeface="Microsoft Sans Serif" panose="020B0604020202020204" pitchFamily="34" charset="0"/>
+            </a:endParaRPr>
+          </a:p>
+        </p:txBody>
+      </p:sp>
+    </p:spTree>
+    <p:extLst>
+      <p:ext uri="{BB962C8B-B14F-4D97-AF65-F5344CB8AC3E}">
+        <p14:creationId xmlns:p14="http://schemas.microsoft.com/office/powerpoint/2010/main" val="4122269600"/>
+      </p:ext>
+    </p:extLst>
+  </p:cSld>
+  <p:clrMapOvr>
+    <a:masterClrMapping/>
+  </p:clrMapOvr>
+  <p:timing>
+    <p:tnLst>
+      <p:par>
+        <p:cTn id="1" dur="indefinite" restart="never" nodeType="tmRoot"/>
+      </p:par>
+    </p:tnLst>
   </p:timing>
 </p:sld>
 </file>
